--- a/deck.pptx
+++ b/deck.pptx
@@ -20458,15 +20458,7 @@
             </a:r>
             <a:r>
               <a:rPr lang="en-US" sz="1900" dirty="0"/>
-              <a:t> Template </a:t>
-            </a:r>
-            <a:r>
-              <a:rPr lang="en-US" sz="1900" dirty="0" err="1"/>
-              <a:t>Identifcation</a:t>
-            </a:r>
-            <a:r>
-              <a:rPr lang="en-US" sz="1900" dirty="0"/>
-              <a:t> process</a:t>
+              <a:t> Template Identification process</a:t>
             </a:r>
           </a:p>
           <a:p>

--- a/deck.pptx
+++ b/deck.pptx
@@ -2137,7 +2137,7 @@
   <dgm:whole/>
   <dgm:extLst>
     <a:ext uri="http://schemas.microsoft.com/office/drawing/2008/diagram">
-      <dsp:dataModelExt xmlns:dsp="http://schemas.microsoft.com/office/drawing/2008/diagram" relId="rId9" minVer="http://schemas.openxmlformats.org/drawingml/2006/diagram"/>
+      <dsp:dataModelExt xmlns:dsp="http://schemas.microsoft.com/office/drawing/2008/diagram" relId="rId8" minVer="http://schemas.openxmlformats.org/drawingml/2006/diagram"/>
     </a:ext>
   </dgm:extLst>
 </dgm:dataModel>
@@ -5553,7 +5553,7 @@
           <a:p>
             <a:fld id="{E54A69E4-EFBB-4687-8058-A94EE1B5781B}" type="datetimeFigureOut">
               <a:rPr lang="en-US" smtClean="0"/>
-              <a:t>1/20/2022</a:t>
+              <a:t>1/23/2022</a:t>
             </a:fld>
             <a:endParaRPr lang="en-US" dirty="0"/>
           </a:p>
@@ -5730,7 +5730,7 @@
           <a:p>
             <a:fld id="{CDE546B2-EB9C-4E9C-8793-C25F32D58B9A}" type="datetimeFigureOut">
               <a:rPr lang="en-US" smtClean="0"/>
-              <a:t>1/20/2022</a:t>
+              <a:t>1/23/2022</a:t>
             </a:fld>
             <a:endParaRPr lang="en-US" dirty="0"/>
           </a:p>
@@ -11434,7 +11434,7 @@
           <a:p>
             <a:fld id="{8F310904-DE8F-4B8E-99C6-5AFA03672FFA}" type="datetimeFigureOut">
               <a:rPr lang="en-US" smtClean="0"/>
-              <a:t>1/20/2022</a:t>
+              <a:t>1/23/2022</a:t>
             </a:fld>
             <a:endParaRPr lang="en-US" dirty="0"/>
           </a:p>
@@ -11965,7 +11965,7 @@
           <a:p>
             <a:fld id="{8F310904-DE8F-4B8E-99C6-5AFA03672FFA}" type="datetimeFigureOut">
               <a:rPr lang="en-US" smtClean="0"/>
-              <a:t>1/20/2022</a:t>
+              <a:t>1/23/2022</a:t>
             </a:fld>
             <a:endParaRPr lang="en-US" dirty="0"/>
           </a:p>
@@ -12493,7 +12493,7 @@
           <a:p>
             <a:fld id="{8F310904-DE8F-4B8E-99C6-5AFA03672FFA}" type="datetimeFigureOut">
               <a:rPr lang="en-US" smtClean="0"/>
-              <a:t>1/20/2022</a:t>
+              <a:t>1/23/2022</a:t>
             </a:fld>
             <a:endParaRPr lang="en-US" dirty="0"/>
           </a:p>
@@ -13021,7 +13021,7 @@
           <a:p>
             <a:fld id="{8F310904-DE8F-4B8E-99C6-5AFA03672FFA}" type="datetimeFigureOut">
               <a:rPr lang="en-US" smtClean="0"/>
-              <a:t>1/20/2022</a:t>
+              <a:t>1/23/2022</a:t>
             </a:fld>
             <a:endParaRPr lang="en-US" dirty="0"/>
           </a:p>
@@ -15589,8 +15589,8 @@
         </p:nvSpPr>
         <p:spPr>
           <a:xfrm>
-            <a:off x="4494275" y="2399714"/>
-            <a:ext cx="6112254" cy="2246769"/>
+            <a:off x="7007200" y="992746"/>
+            <a:ext cx="4354545" cy="954107"/>
           </a:xfrm>
           <a:prstGeom prst="rect">
             <a:avLst/>
@@ -15608,37 +15608,22 @@
               <a:buChar char="•"/>
             </a:pPr>
             <a:r>
-              <a:rPr lang="en-US" dirty="0">
+              <a:rPr lang="en-US" sz="1400" dirty="0">
                 <a:solidFill>
                   <a:prstClr val="black"/>
                 </a:solidFill>
                 <a:latin typeface="Segoe UI"/>
               </a:rPr>
-              <a:t>How many epochs?</a:t>
+              <a:t>Feed one row at a time through the model</a:t>
             </a:r>
           </a:p>
           <a:p>
-            <a:pPr marL="742950" lvl="1" indent="-285750">
+            <a:pPr marL="285750" indent="-285750">
               <a:buFont typeface="Arial" panose="020B0604020202020204" pitchFamily="34" charset="0"/>
               <a:buChar char="•"/>
             </a:pPr>
             <a:r>
-              <a:rPr lang="en-US" dirty="0">
-                <a:solidFill>
-                  <a:prstClr val="black"/>
-                </a:solidFill>
-                <a:latin typeface="Segoe UI"/>
-              </a:rPr>
-              <a:t>One epoch is equivalent to your model seeing all the data you give it to train one time.</a:t>
-            </a:r>
-          </a:p>
-          <a:p>
-            <a:pPr marL="742950" lvl="1" indent="-285750">
-              <a:buFont typeface="Arial" panose="020B0604020202020204" pitchFamily="34" charset="0"/>
-              <a:buChar char="•"/>
-            </a:pPr>
-            <a:r>
-              <a:rPr kumimoji="0" lang="en-US" b="0" i="0" u="none" strike="noStrike" kern="1200" cap="none" spc="0" normalizeH="0" baseline="0" noProof="0" dirty="0">
+              <a:rPr kumimoji="0" lang="en-US" sz="1400" b="0" i="0" u="none" strike="noStrike" kern="1200" cap="none" spc="0" normalizeH="0" baseline="0" noProof="0" dirty="0">
                 <a:ln>
                   <a:noFill/>
                 </a:ln>
@@ -15652,33 +15637,36 @@
                 <a:ea typeface="+mn-ea"/>
                 <a:cs typeface="+mn-cs"/>
               </a:rPr>
-              <a:t>Some models give acceptable results in </a:t>
+              <a:t>Once </a:t>
             </a:r>
             <a:r>
-              <a:rPr lang="en-US" dirty="0">
+              <a:rPr lang="en-US" sz="1400" dirty="0">
                 <a:solidFill>
                   <a:prstClr val="black"/>
                 </a:solidFill>
                 <a:latin typeface="Segoe UI"/>
               </a:rPr>
-              <a:t>ten epochs, others take thousands</a:t>
+              <a:t>every row a been fed through, the training loop has completed one `</a:t>
             </a:r>
-          </a:p>
-          <a:p>
-            <a:pPr marL="285750" indent="-285750">
-              <a:buFont typeface="Arial" panose="020B0604020202020204" pitchFamily="34" charset="0"/>
-              <a:buChar char="•"/>
-            </a:pPr>
             <a:r>
-              <a:rPr lang="en-US" dirty="0">
+              <a:rPr lang="en-US" sz="1400" b="1" dirty="0">
                 <a:solidFill>
                   <a:prstClr val="black"/>
                 </a:solidFill>
                 <a:latin typeface="Segoe UI"/>
               </a:rPr>
-              <a:t>Should my model stop training once it produces an acceptable score on training data?</a:t>
+              <a:t>Epoch</a:t>
             </a:r>
-            <a:endParaRPr kumimoji="0" lang="en-US" b="0" i="0" u="none" strike="noStrike" kern="1200" cap="none" spc="0" normalizeH="0" baseline="0" noProof="0" dirty="0">
+            <a:r>
+              <a:rPr lang="en-US" sz="1400" dirty="0">
+                <a:solidFill>
+                  <a:prstClr val="black"/>
+                </a:solidFill>
+                <a:latin typeface="Segoe UI"/>
+              </a:rPr>
+              <a:t>`</a:t>
+            </a:r>
+            <a:endParaRPr kumimoji="0" lang="en-US" sz="1400" b="0" i="0" u="none" strike="noStrike" kern="1200" cap="none" spc="0" normalizeH="0" baseline="0" noProof="0" dirty="0">
               <a:ln>
                 <a:noFill/>
               </a:ln>
@@ -15725,6 +15713,1799 @@
               <a:ea typeface="+mn-ea"/>
               <a:cs typeface="+mn-cs"/>
             </a:endParaRPr>
+          </a:p>
+        </p:txBody>
+      </p:sp>
+      <p:sp>
+        <p:nvSpPr>
+          <p:cNvPr id="22" name="Arrow: Right 21">
+            <a:extLst>
+              <a:ext uri="{FF2B5EF4-FFF2-40B4-BE49-F238E27FC236}">
+                <a16:creationId xmlns:a16="http://schemas.microsoft.com/office/drawing/2014/main" id="{0A03BDCA-7D58-452E-A651-802F78212F07}"/>
+              </a:ext>
+            </a:extLst>
+          </p:cNvPr>
+          <p:cNvSpPr/>
+          <p:nvPr/>
+        </p:nvSpPr>
+        <p:spPr>
+          <a:xfrm>
+            <a:off x="5117496" y="3593821"/>
+            <a:ext cx="626668" cy="232003"/>
+          </a:xfrm>
+          <a:prstGeom prst="rightArrow">
+            <a:avLst/>
+          </a:prstGeom>
+        </p:spPr>
+        <p:style>
+          <a:lnRef idx="2">
+            <a:schemeClr val="accent1">
+              <a:shade val="50000"/>
+            </a:schemeClr>
+          </a:lnRef>
+          <a:fillRef idx="1">
+            <a:schemeClr val="accent1"/>
+          </a:fillRef>
+          <a:effectRef idx="0">
+            <a:schemeClr val="accent1"/>
+          </a:effectRef>
+          <a:fontRef idx="minor">
+            <a:schemeClr val="lt1"/>
+          </a:fontRef>
+        </p:style>
+        <p:txBody>
+          <a:bodyPr rtlCol="0" anchor="ctr"/>
+          <a:lstStyle/>
+          <a:p>
+            <a:pPr algn="ctr"/>
+            <a:endParaRPr lang="en-US"/>
+          </a:p>
+        </p:txBody>
+      </p:sp>
+      <p:pic>
+        <p:nvPicPr>
+          <p:cNvPr id="24" name="Picture 23" descr="Icon&#10;&#10;Description automatically generated">
+            <a:extLst>
+              <a:ext uri="{FF2B5EF4-FFF2-40B4-BE49-F238E27FC236}">
+                <a16:creationId xmlns:a16="http://schemas.microsoft.com/office/drawing/2014/main" id="{EA3435C1-D240-468E-A27E-AC8663CA5468}"/>
+              </a:ext>
+            </a:extLst>
+          </p:cNvPr>
+          <p:cNvPicPr>
+            <a:picLocks noChangeAspect="1"/>
+          </p:cNvPicPr>
+          <p:nvPr/>
+        </p:nvPicPr>
+        <p:blipFill>
+          <a:blip r:embed="rId3"/>
+          <a:stretch>
+            <a:fillRect/>
+          </a:stretch>
+        </p:blipFill>
+        <p:spPr>
+          <a:xfrm>
+            <a:off x="5855317" y="3532121"/>
+            <a:ext cx="1206758" cy="1206758"/>
+          </a:xfrm>
+          <a:prstGeom prst="rect">
+            <a:avLst/>
+          </a:prstGeom>
+        </p:spPr>
+      </p:pic>
+      <p:sp>
+        <p:nvSpPr>
+          <p:cNvPr id="25" name="Arrow: Right 24">
+            <a:extLst>
+              <a:ext uri="{FF2B5EF4-FFF2-40B4-BE49-F238E27FC236}">
+                <a16:creationId xmlns:a16="http://schemas.microsoft.com/office/drawing/2014/main" id="{E9190A5C-1814-482B-88C2-400D1E509DFD}"/>
+              </a:ext>
+            </a:extLst>
+          </p:cNvPr>
+          <p:cNvSpPr/>
+          <p:nvPr/>
+        </p:nvSpPr>
+        <p:spPr>
+          <a:xfrm>
+            <a:off x="7173228" y="3593820"/>
+            <a:ext cx="1280588" cy="232003"/>
+          </a:xfrm>
+          <a:prstGeom prst="rightArrow">
+            <a:avLst/>
+          </a:prstGeom>
+        </p:spPr>
+        <p:style>
+          <a:lnRef idx="2">
+            <a:schemeClr val="accent1">
+              <a:shade val="50000"/>
+            </a:schemeClr>
+          </a:lnRef>
+          <a:fillRef idx="1">
+            <a:schemeClr val="accent1"/>
+          </a:fillRef>
+          <a:effectRef idx="0">
+            <a:schemeClr val="accent1"/>
+          </a:effectRef>
+          <a:fontRef idx="minor">
+            <a:schemeClr val="lt1"/>
+          </a:fontRef>
+        </p:style>
+        <p:txBody>
+          <a:bodyPr rtlCol="0" anchor="ctr"/>
+          <a:lstStyle/>
+          <a:p>
+            <a:pPr algn="ctr"/>
+            <a:endParaRPr lang="en-US"/>
+          </a:p>
+        </p:txBody>
+      </p:sp>
+      <p:sp>
+        <p:nvSpPr>
+          <p:cNvPr id="26" name="Arrow: Right 25">
+            <a:extLst>
+              <a:ext uri="{FF2B5EF4-FFF2-40B4-BE49-F238E27FC236}">
+                <a16:creationId xmlns:a16="http://schemas.microsoft.com/office/drawing/2014/main" id="{2AC7C888-6B30-4EEE-92A3-F9B97805D2E7}"/>
+              </a:ext>
+            </a:extLst>
+          </p:cNvPr>
+          <p:cNvSpPr/>
+          <p:nvPr/>
+        </p:nvSpPr>
+        <p:spPr>
+          <a:xfrm rot="10800000">
+            <a:off x="7153938" y="4259021"/>
+            <a:ext cx="1280588" cy="232003"/>
+          </a:xfrm>
+          <a:prstGeom prst="rightArrow">
+            <a:avLst/>
+          </a:prstGeom>
+        </p:spPr>
+        <p:style>
+          <a:lnRef idx="2">
+            <a:schemeClr val="accent1">
+              <a:shade val="50000"/>
+            </a:schemeClr>
+          </a:lnRef>
+          <a:fillRef idx="1">
+            <a:schemeClr val="accent1"/>
+          </a:fillRef>
+          <a:effectRef idx="0">
+            <a:schemeClr val="accent1"/>
+          </a:effectRef>
+          <a:fontRef idx="minor">
+            <a:schemeClr val="lt1"/>
+          </a:fontRef>
+        </p:style>
+        <p:txBody>
+          <a:bodyPr rtlCol="0" anchor="ctr"/>
+          <a:lstStyle/>
+          <a:p>
+            <a:pPr algn="ctr"/>
+            <a:endParaRPr lang="en-US"/>
+          </a:p>
+        </p:txBody>
+      </p:sp>
+      <p:sp>
+        <p:nvSpPr>
+          <p:cNvPr id="30" name="Rectangle: Rounded Corners 29">
+            <a:extLst>
+              <a:ext uri="{FF2B5EF4-FFF2-40B4-BE49-F238E27FC236}">
+                <a16:creationId xmlns:a16="http://schemas.microsoft.com/office/drawing/2014/main" id="{8E168DDA-BA53-4EA1-BADD-3C38D44659F6}"/>
+              </a:ext>
+            </a:extLst>
+          </p:cNvPr>
+          <p:cNvSpPr/>
+          <p:nvPr/>
+        </p:nvSpPr>
+        <p:spPr>
+          <a:xfrm>
+            <a:off x="8530372" y="3596837"/>
+            <a:ext cx="684339" cy="232003"/>
+          </a:xfrm>
+          <a:prstGeom prst="roundRect">
+            <a:avLst/>
+          </a:prstGeom>
+          <a:solidFill>
+            <a:srgbClr val="23D10B"/>
+          </a:solidFill>
+        </p:spPr>
+        <p:style>
+          <a:lnRef idx="2">
+            <a:schemeClr val="accent1">
+              <a:shade val="50000"/>
+            </a:schemeClr>
+          </a:lnRef>
+          <a:fillRef idx="1">
+            <a:schemeClr val="accent1"/>
+          </a:fillRef>
+          <a:effectRef idx="0">
+            <a:schemeClr val="accent1"/>
+          </a:effectRef>
+          <a:fontRef idx="minor">
+            <a:schemeClr val="lt1"/>
+          </a:fontRef>
+        </p:style>
+        <p:txBody>
+          <a:bodyPr rtlCol="0" anchor="ctr"/>
+          <a:lstStyle/>
+          <a:p>
+            <a:pPr algn="ctr"/>
+            <a:r>
+              <a:rPr lang="en-US" sz="1100" dirty="0">
+                <a:solidFill>
+                  <a:schemeClr val="tx1"/>
+                </a:solidFill>
+              </a:rPr>
+              <a:t>Output</a:t>
+            </a:r>
+            <a:endParaRPr lang="en-US" dirty="0">
+              <a:solidFill>
+                <a:schemeClr val="tx1"/>
+              </a:solidFill>
+            </a:endParaRPr>
+          </a:p>
+        </p:txBody>
+      </p:sp>
+      <p:sp>
+        <p:nvSpPr>
+          <p:cNvPr id="32" name="Rectangle: Rounded Corners 31">
+            <a:extLst>
+              <a:ext uri="{FF2B5EF4-FFF2-40B4-BE49-F238E27FC236}">
+                <a16:creationId xmlns:a16="http://schemas.microsoft.com/office/drawing/2014/main" id="{0CBAE3D5-A8B8-4BDD-862B-52246CC5C3A5}"/>
+              </a:ext>
+            </a:extLst>
+          </p:cNvPr>
+          <p:cNvSpPr/>
+          <p:nvPr/>
+        </p:nvSpPr>
+        <p:spPr>
+          <a:xfrm>
+            <a:off x="11262113" y="4017600"/>
+            <a:ext cx="649987" cy="232003"/>
+          </a:xfrm>
+          <a:prstGeom prst="roundRect">
+            <a:avLst/>
+          </a:prstGeom>
+          <a:solidFill>
+            <a:srgbClr val="23D10B"/>
+          </a:solidFill>
+        </p:spPr>
+        <p:style>
+          <a:lnRef idx="2">
+            <a:schemeClr val="accent1">
+              <a:shade val="50000"/>
+            </a:schemeClr>
+          </a:lnRef>
+          <a:fillRef idx="1">
+            <a:schemeClr val="accent1"/>
+          </a:fillRef>
+          <a:effectRef idx="0">
+            <a:schemeClr val="accent1"/>
+          </a:effectRef>
+          <a:fontRef idx="minor">
+            <a:schemeClr val="lt1"/>
+          </a:fontRef>
+        </p:style>
+        <p:txBody>
+          <a:bodyPr rtlCol="0" anchor="ctr"/>
+          <a:lstStyle/>
+          <a:p>
+            <a:pPr algn="ctr"/>
+            <a:r>
+              <a:rPr lang="en-US" sz="1100" dirty="0">
+                <a:solidFill>
+                  <a:schemeClr val="tx1"/>
+                </a:solidFill>
+              </a:rPr>
+              <a:t>Output</a:t>
+            </a:r>
+            <a:endParaRPr lang="en-US" dirty="0">
+              <a:solidFill>
+                <a:schemeClr val="tx1"/>
+              </a:solidFill>
+            </a:endParaRPr>
+          </a:p>
+        </p:txBody>
+      </p:sp>
+      <p:sp>
+        <p:nvSpPr>
+          <p:cNvPr id="33" name="Rectangle: Rounded Corners 32">
+            <a:extLst>
+              <a:ext uri="{FF2B5EF4-FFF2-40B4-BE49-F238E27FC236}">
+                <a16:creationId xmlns:a16="http://schemas.microsoft.com/office/drawing/2014/main" id="{26B99A74-069D-48A0-A602-ACB99591FD3C}"/>
+              </a:ext>
+            </a:extLst>
+          </p:cNvPr>
+          <p:cNvSpPr/>
+          <p:nvPr/>
+        </p:nvSpPr>
+        <p:spPr>
+          <a:xfrm>
+            <a:off x="10412977" y="4017600"/>
+            <a:ext cx="627848" cy="232003"/>
+          </a:xfrm>
+          <a:prstGeom prst="roundRect">
+            <a:avLst/>
+          </a:prstGeom>
+          <a:solidFill>
+            <a:srgbClr val="00B0F0"/>
+          </a:solidFill>
+        </p:spPr>
+        <p:style>
+          <a:lnRef idx="2">
+            <a:schemeClr val="accent1">
+              <a:shade val="50000"/>
+            </a:schemeClr>
+          </a:lnRef>
+          <a:fillRef idx="1">
+            <a:schemeClr val="accent1"/>
+          </a:fillRef>
+          <a:effectRef idx="0">
+            <a:schemeClr val="accent1"/>
+          </a:effectRef>
+          <a:fontRef idx="minor">
+            <a:schemeClr val="lt1"/>
+          </a:fontRef>
+        </p:style>
+        <p:txBody>
+          <a:bodyPr rtlCol="0" anchor="ctr"/>
+          <a:lstStyle/>
+          <a:p>
+            <a:pPr algn="ctr"/>
+            <a:r>
+              <a:rPr lang="en-US" sz="1100" dirty="0">
+                <a:solidFill>
+                  <a:schemeClr val="tx1"/>
+                </a:solidFill>
+              </a:rPr>
+              <a:t>Target</a:t>
+            </a:r>
+            <a:endParaRPr lang="en-US" dirty="0">
+              <a:solidFill>
+                <a:schemeClr val="tx1"/>
+              </a:solidFill>
+            </a:endParaRPr>
+          </a:p>
+        </p:txBody>
+      </p:sp>
+      <p:sp>
+        <p:nvSpPr>
+          <p:cNvPr id="37" name="Rectangle: Rounded Corners 36">
+            <a:extLst>
+              <a:ext uri="{FF2B5EF4-FFF2-40B4-BE49-F238E27FC236}">
+                <a16:creationId xmlns:a16="http://schemas.microsoft.com/office/drawing/2014/main" id="{2288573F-6BEB-41E3-8ED6-149317D917BA}"/>
+              </a:ext>
+            </a:extLst>
+          </p:cNvPr>
+          <p:cNvSpPr/>
+          <p:nvPr/>
+        </p:nvSpPr>
+        <p:spPr>
+          <a:xfrm>
+            <a:off x="9629402" y="4017600"/>
+            <a:ext cx="523025" cy="232003"/>
+          </a:xfrm>
+          <a:prstGeom prst="roundRect">
+            <a:avLst/>
+          </a:prstGeom>
+          <a:solidFill>
+            <a:srgbClr val="CA4712"/>
+          </a:solidFill>
+        </p:spPr>
+        <p:style>
+          <a:lnRef idx="2">
+            <a:schemeClr val="accent1">
+              <a:shade val="50000"/>
+            </a:schemeClr>
+          </a:lnRef>
+          <a:fillRef idx="1">
+            <a:schemeClr val="accent1"/>
+          </a:fillRef>
+          <a:effectRef idx="0">
+            <a:schemeClr val="accent1"/>
+          </a:effectRef>
+          <a:fontRef idx="minor">
+            <a:schemeClr val="lt1"/>
+          </a:fontRef>
+        </p:style>
+        <p:txBody>
+          <a:bodyPr rtlCol="0" anchor="ctr"/>
+          <a:lstStyle/>
+          <a:p>
+            <a:pPr algn="ctr"/>
+            <a:r>
+              <a:rPr lang="en-US" sz="1100" dirty="0">
+                <a:solidFill>
+                  <a:schemeClr val="tx1"/>
+                </a:solidFill>
+              </a:rPr>
+              <a:t>Error</a:t>
+            </a:r>
+            <a:endParaRPr lang="en-US" dirty="0">
+              <a:solidFill>
+                <a:schemeClr val="tx1"/>
+              </a:solidFill>
+            </a:endParaRPr>
+          </a:p>
+        </p:txBody>
+      </p:sp>
+      <p:sp>
+        <p:nvSpPr>
+          <p:cNvPr id="38" name="Equals 37">
+            <a:extLst>
+              <a:ext uri="{FF2B5EF4-FFF2-40B4-BE49-F238E27FC236}">
+                <a16:creationId xmlns:a16="http://schemas.microsoft.com/office/drawing/2014/main" id="{94527C30-1608-462F-944D-B5C5067DDE38}"/>
+              </a:ext>
+            </a:extLst>
+          </p:cNvPr>
+          <p:cNvSpPr/>
+          <p:nvPr/>
+        </p:nvSpPr>
+        <p:spPr>
+          <a:xfrm>
+            <a:off x="10190425" y="4057069"/>
+            <a:ext cx="175697" cy="125420"/>
+          </a:xfrm>
+          <a:prstGeom prst="mathEqual">
+            <a:avLst/>
+          </a:prstGeom>
+        </p:spPr>
+        <p:style>
+          <a:lnRef idx="2">
+            <a:schemeClr val="accent1">
+              <a:shade val="50000"/>
+            </a:schemeClr>
+          </a:lnRef>
+          <a:fillRef idx="1">
+            <a:schemeClr val="accent1"/>
+          </a:fillRef>
+          <a:effectRef idx="0">
+            <a:schemeClr val="accent1"/>
+          </a:effectRef>
+          <a:fontRef idx="minor">
+            <a:schemeClr val="lt1"/>
+          </a:fontRef>
+        </p:style>
+        <p:txBody>
+          <a:bodyPr rtlCol="0" anchor="ctr"/>
+          <a:lstStyle/>
+          <a:p>
+            <a:pPr algn="ctr"/>
+            <a:endParaRPr lang="en-US">
+              <a:solidFill>
+                <a:schemeClr val="tx1"/>
+              </a:solidFill>
+            </a:endParaRPr>
+          </a:p>
+        </p:txBody>
+      </p:sp>
+      <p:sp>
+        <p:nvSpPr>
+          <p:cNvPr id="39" name="Minus Sign 38">
+            <a:extLst>
+              <a:ext uri="{FF2B5EF4-FFF2-40B4-BE49-F238E27FC236}">
+                <a16:creationId xmlns:a16="http://schemas.microsoft.com/office/drawing/2014/main" id="{F483738C-2D95-497B-AE65-7EF6B66D0910}"/>
+              </a:ext>
+            </a:extLst>
+          </p:cNvPr>
+          <p:cNvSpPr/>
+          <p:nvPr/>
+        </p:nvSpPr>
+        <p:spPr>
+          <a:xfrm>
+            <a:off x="11107512" y="4102312"/>
+            <a:ext cx="107831" cy="45719"/>
+          </a:xfrm>
+          <a:prstGeom prst="mathMinus">
+            <a:avLst/>
+          </a:prstGeom>
+        </p:spPr>
+        <p:style>
+          <a:lnRef idx="2">
+            <a:schemeClr val="accent1">
+              <a:shade val="50000"/>
+            </a:schemeClr>
+          </a:lnRef>
+          <a:fillRef idx="1">
+            <a:schemeClr val="accent1"/>
+          </a:fillRef>
+          <a:effectRef idx="0">
+            <a:schemeClr val="accent1"/>
+          </a:effectRef>
+          <a:fontRef idx="minor">
+            <a:schemeClr val="lt1"/>
+          </a:fontRef>
+        </p:style>
+        <p:txBody>
+          <a:bodyPr rtlCol="0" anchor="ctr"/>
+          <a:lstStyle/>
+          <a:p>
+            <a:pPr algn="ctr"/>
+            <a:endParaRPr lang="en-US"/>
+          </a:p>
+        </p:txBody>
+      </p:sp>
+      <p:sp>
+        <p:nvSpPr>
+          <p:cNvPr id="40" name="Rectangle: Rounded Corners 39">
+            <a:extLst>
+              <a:ext uri="{FF2B5EF4-FFF2-40B4-BE49-F238E27FC236}">
+                <a16:creationId xmlns:a16="http://schemas.microsoft.com/office/drawing/2014/main" id="{EBE4E444-C429-434C-B19B-1883E53C5FD8}"/>
+              </a:ext>
+            </a:extLst>
+          </p:cNvPr>
+          <p:cNvSpPr/>
+          <p:nvPr/>
+        </p:nvSpPr>
+        <p:spPr>
+          <a:xfrm>
+            <a:off x="8536267" y="4257412"/>
+            <a:ext cx="523025" cy="232003"/>
+          </a:xfrm>
+          <a:prstGeom prst="roundRect">
+            <a:avLst/>
+          </a:prstGeom>
+          <a:solidFill>
+            <a:srgbClr val="CA4712"/>
+          </a:solidFill>
+        </p:spPr>
+        <p:style>
+          <a:lnRef idx="2">
+            <a:schemeClr val="accent1">
+              <a:shade val="50000"/>
+            </a:schemeClr>
+          </a:lnRef>
+          <a:fillRef idx="1">
+            <a:schemeClr val="accent1"/>
+          </a:fillRef>
+          <a:effectRef idx="0">
+            <a:schemeClr val="accent1"/>
+          </a:effectRef>
+          <a:fontRef idx="minor">
+            <a:schemeClr val="lt1"/>
+          </a:fontRef>
+        </p:style>
+        <p:txBody>
+          <a:bodyPr rtlCol="0" anchor="ctr"/>
+          <a:lstStyle/>
+          <a:p>
+            <a:pPr algn="ctr"/>
+            <a:r>
+              <a:rPr lang="en-US" sz="1100" dirty="0">
+                <a:solidFill>
+                  <a:schemeClr val="tx1"/>
+                </a:solidFill>
+              </a:rPr>
+              <a:t>Error</a:t>
+            </a:r>
+            <a:endParaRPr lang="en-US" dirty="0">
+              <a:solidFill>
+                <a:schemeClr val="tx1"/>
+              </a:solidFill>
+            </a:endParaRPr>
+          </a:p>
+        </p:txBody>
+      </p:sp>
+      <p:sp>
+        <p:nvSpPr>
+          <p:cNvPr id="41" name="Rectangle: Rounded Corners 40">
+            <a:extLst>
+              <a:ext uri="{FF2B5EF4-FFF2-40B4-BE49-F238E27FC236}">
+                <a16:creationId xmlns:a16="http://schemas.microsoft.com/office/drawing/2014/main" id="{A44614E0-DB69-42BC-AC51-11EADFBA9DDB}"/>
+              </a:ext>
+            </a:extLst>
+          </p:cNvPr>
+          <p:cNvSpPr/>
+          <p:nvPr/>
+        </p:nvSpPr>
+        <p:spPr>
+          <a:xfrm>
+            <a:off x="4329044" y="3595001"/>
+            <a:ext cx="684339" cy="232003"/>
+          </a:xfrm>
+          <a:prstGeom prst="roundRect">
+            <a:avLst/>
+          </a:prstGeom>
+          <a:solidFill>
+            <a:srgbClr val="FFC000"/>
+          </a:solidFill>
+        </p:spPr>
+        <p:style>
+          <a:lnRef idx="2">
+            <a:schemeClr val="accent1">
+              <a:shade val="50000"/>
+            </a:schemeClr>
+          </a:lnRef>
+          <a:fillRef idx="1">
+            <a:schemeClr val="accent1"/>
+          </a:fillRef>
+          <a:effectRef idx="0">
+            <a:schemeClr val="accent1"/>
+          </a:effectRef>
+          <a:fontRef idx="minor">
+            <a:schemeClr val="lt1"/>
+          </a:fontRef>
+        </p:style>
+        <p:txBody>
+          <a:bodyPr rtlCol="0" anchor="ctr"/>
+          <a:lstStyle/>
+          <a:p>
+            <a:pPr algn="ctr"/>
+            <a:r>
+              <a:rPr lang="en-US" sz="1100" dirty="0">
+                <a:solidFill>
+                  <a:schemeClr val="tx1"/>
+                </a:solidFill>
+              </a:rPr>
+              <a:t>Input</a:t>
+            </a:r>
+            <a:endParaRPr lang="en-US" dirty="0">
+              <a:solidFill>
+                <a:schemeClr val="tx1"/>
+              </a:solidFill>
+            </a:endParaRPr>
+          </a:p>
+        </p:txBody>
+      </p:sp>
+      <p:sp>
+        <p:nvSpPr>
+          <p:cNvPr id="42" name="TextBox 41">
+            <a:extLst>
+              <a:ext uri="{FF2B5EF4-FFF2-40B4-BE49-F238E27FC236}">
+                <a16:creationId xmlns:a16="http://schemas.microsoft.com/office/drawing/2014/main" id="{8109922B-D0D5-4206-8787-9C88774C1488}"/>
+              </a:ext>
+            </a:extLst>
+          </p:cNvPr>
+          <p:cNvSpPr txBox="1"/>
+          <p:nvPr/>
+        </p:nvSpPr>
+        <p:spPr>
+          <a:xfrm>
+            <a:off x="4455591" y="3806816"/>
+            <a:ext cx="626668" cy="261610"/>
+          </a:xfrm>
+          <a:prstGeom prst="rect">
+            <a:avLst/>
+          </a:prstGeom>
+          <a:noFill/>
+        </p:spPr>
+        <p:txBody>
+          <a:bodyPr wrap="square" rtlCol="0">
+            <a:spAutoFit/>
+          </a:bodyPr>
+          <a:lstStyle/>
+          <a:p>
+            <a:r>
+              <a:rPr lang="en-US" sz="1100" dirty="0"/>
+              <a:t>0, 0</a:t>
+            </a:r>
+          </a:p>
+        </p:txBody>
+      </p:sp>
+      <p:sp>
+        <p:nvSpPr>
+          <p:cNvPr id="43" name="TextBox 42">
+            <a:extLst>
+              <a:ext uri="{FF2B5EF4-FFF2-40B4-BE49-F238E27FC236}">
+                <a16:creationId xmlns:a16="http://schemas.microsoft.com/office/drawing/2014/main" id="{933452D9-3896-43C4-AE34-88E76D876112}"/>
+              </a:ext>
+            </a:extLst>
+          </p:cNvPr>
+          <p:cNvSpPr txBox="1"/>
+          <p:nvPr/>
+        </p:nvSpPr>
+        <p:spPr>
+          <a:xfrm>
+            <a:off x="8657224" y="3812248"/>
+            <a:ext cx="626668" cy="261610"/>
+          </a:xfrm>
+          <a:prstGeom prst="rect">
+            <a:avLst/>
+          </a:prstGeom>
+          <a:noFill/>
+        </p:spPr>
+        <p:txBody>
+          <a:bodyPr wrap="square" rtlCol="0">
+            <a:spAutoFit/>
+          </a:bodyPr>
+          <a:lstStyle/>
+          <a:p>
+            <a:r>
+              <a:rPr lang="en-US" sz="1100" dirty="0"/>
+              <a:t>0.7</a:t>
+            </a:r>
+          </a:p>
+        </p:txBody>
+      </p:sp>
+      <p:sp>
+        <p:nvSpPr>
+          <p:cNvPr id="44" name="TextBox 43">
+            <a:extLst>
+              <a:ext uri="{FF2B5EF4-FFF2-40B4-BE49-F238E27FC236}">
+                <a16:creationId xmlns:a16="http://schemas.microsoft.com/office/drawing/2014/main" id="{B847E638-F912-4B40-9B71-7A5DC53C487E}"/>
+              </a:ext>
+            </a:extLst>
+          </p:cNvPr>
+          <p:cNvSpPr txBox="1"/>
+          <p:nvPr/>
+        </p:nvSpPr>
+        <p:spPr>
+          <a:xfrm>
+            <a:off x="11432422" y="4258234"/>
+            <a:ext cx="626668" cy="261610"/>
+          </a:xfrm>
+          <a:prstGeom prst="rect">
+            <a:avLst/>
+          </a:prstGeom>
+          <a:noFill/>
+        </p:spPr>
+        <p:txBody>
+          <a:bodyPr wrap="square" rtlCol="0">
+            <a:spAutoFit/>
+          </a:bodyPr>
+          <a:lstStyle/>
+          <a:p>
+            <a:r>
+              <a:rPr lang="en-US" sz="1100" dirty="0"/>
+              <a:t>0.7</a:t>
+            </a:r>
+          </a:p>
+        </p:txBody>
+      </p:sp>
+      <p:sp>
+        <p:nvSpPr>
+          <p:cNvPr id="45" name="TextBox 44">
+            <a:extLst>
+              <a:ext uri="{FF2B5EF4-FFF2-40B4-BE49-F238E27FC236}">
+                <a16:creationId xmlns:a16="http://schemas.microsoft.com/office/drawing/2014/main" id="{92316DD5-D472-410B-B96D-09C13B4E9AEE}"/>
+              </a:ext>
+            </a:extLst>
+          </p:cNvPr>
+          <p:cNvSpPr txBox="1"/>
+          <p:nvPr/>
+        </p:nvSpPr>
+        <p:spPr>
+          <a:xfrm>
+            <a:off x="10569610" y="4249603"/>
+            <a:ext cx="626668" cy="261610"/>
+          </a:xfrm>
+          <a:prstGeom prst="rect">
+            <a:avLst/>
+          </a:prstGeom>
+          <a:noFill/>
+        </p:spPr>
+        <p:txBody>
+          <a:bodyPr wrap="square" rtlCol="0">
+            <a:spAutoFit/>
+          </a:bodyPr>
+          <a:lstStyle/>
+          <a:p>
+            <a:r>
+              <a:rPr lang="en-US" sz="1100" dirty="0"/>
+              <a:t>0</a:t>
+            </a:r>
+          </a:p>
+        </p:txBody>
+      </p:sp>
+      <p:sp>
+        <p:nvSpPr>
+          <p:cNvPr id="46" name="TextBox 45">
+            <a:extLst>
+              <a:ext uri="{FF2B5EF4-FFF2-40B4-BE49-F238E27FC236}">
+                <a16:creationId xmlns:a16="http://schemas.microsoft.com/office/drawing/2014/main" id="{05B41EE9-2C8B-4CBE-BC76-5BE2B693BD43}"/>
+              </a:ext>
+            </a:extLst>
+          </p:cNvPr>
+          <p:cNvSpPr txBox="1"/>
+          <p:nvPr/>
+        </p:nvSpPr>
+        <p:spPr>
+          <a:xfrm>
+            <a:off x="9690536" y="4258234"/>
+            <a:ext cx="626668" cy="261610"/>
+          </a:xfrm>
+          <a:prstGeom prst="rect">
+            <a:avLst/>
+          </a:prstGeom>
+          <a:noFill/>
+        </p:spPr>
+        <p:txBody>
+          <a:bodyPr wrap="square" rtlCol="0">
+            <a:spAutoFit/>
+          </a:bodyPr>
+          <a:lstStyle/>
+          <a:p>
+            <a:r>
+              <a:rPr lang="en-US" sz="1100" dirty="0"/>
+              <a:t>-0.7</a:t>
+            </a:r>
+          </a:p>
+        </p:txBody>
+      </p:sp>
+      <p:sp>
+        <p:nvSpPr>
+          <p:cNvPr id="47" name="TextBox 46">
+            <a:extLst>
+              <a:ext uri="{FF2B5EF4-FFF2-40B4-BE49-F238E27FC236}">
+                <a16:creationId xmlns:a16="http://schemas.microsoft.com/office/drawing/2014/main" id="{5336AF7F-4E71-488A-A6DD-49157A5195B5}"/>
+              </a:ext>
+            </a:extLst>
+          </p:cNvPr>
+          <p:cNvSpPr txBox="1"/>
+          <p:nvPr/>
+        </p:nvSpPr>
+        <p:spPr>
+          <a:xfrm>
+            <a:off x="8588043" y="4492038"/>
+            <a:ext cx="626668" cy="261610"/>
+          </a:xfrm>
+          <a:prstGeom prst="rect">
+            <a:avLst/>
+          </a:prstGeom>
+          <a:noFill/>
+        </p:spPr>
+        <p:txBody>
+          <a:bodyPr wrap="square" rtlCol="0">
+            <a:spAutoFit/>
+          </a:bodyPr>
+          <a:lstStyle/>
+          <a:p>
+            <a:r>
+              <a:rPr lang="en-US" sz="1100" dirty="0"/>
+              <a:t>-0.7</a:t>
+            </a:r>
+          </a:p>
+        </p:txBody>
+      </p:sp>
+      <p:sp>
+        <p:nvSpPr>
+          <p:cNvPr id="48" name="Right Brace 47">
+            <a:extLst>
+              <a:ext uri="{FF2B5EF4-FFF2-40B4-BE49-F238E27FC236}">
+                <a16:creationId xmlns:a16="http://schemas.microsoft.com/office/drawing/2014/main" id="{074EF2B8-77ED-4AF2-AFDC-2A000209B36D}"/>
+              </a:ext>
+            </a:extLst>
+          </p:cNvPr>
+          <p:cNvSpPr/>
+          <p:nvPr/>
+        </p:nvSpPr>
+        <p:spPr>
+          <a:xfrm rot="5400000">
+            <a:off x="7486837" y="3231678"/>
+            <a:ext cx="334688" cy="3259421"/>
+          </a:xfrm>
+          <a:prstGeom prst="rightBrace">
+            <a:avLst/>
+          </a:prstGeom>
+        </p:spPr>
+        <p:style>
+          <a:lnRef idx="1">
+            <a:schemeClr val="accent1"/>
+          </a:lnRef>
+          <a:fillRef idx="0">
+            <a:schemeClr val="accent1"/>
+          </a:fillRef>
+          <a:effectRef idx="0">
+            <a:schemeClr val="accent1"/>
+          </a:effectRef>
+          <a:fontRef idx="minor">
+            <a:schemeClr val="tx1"/>
+          </a:fontRef>
+        </p:style>
+        <p:txBody>
+          <a:bodyPr rtlCol="0" anchor="ctr"/>
+          <a:lstStyle/>
+          <a:p>
+            <a:pPr algn="ctr"/>
+            <a:endParaRPr lang="en-US"/>
+          </a:p>
+        </p:txBody>
+      </p:sp>
+      <p:sp>
+        <p:nvSpPr>
+          <p:cNvPr id="49" name="TextBox 48">
+            <a:extLst>
+              <a:ext uri="{FF2B5EF4-FFF2-40B4-BE49-F238E27FC236}">
+                <a16:creationId xmlns:a16="http://schemas.microsoft.com/office/drawing/2014/main" id="{00CACBCB-79C7-4D05-A2B1-023483814930}"/>
+              </a:ext>
+            </a:extLst>
+          </p:cNvPr>
+          <p:cNvSpPr txBox="1"/>
+          <p:nvPr/>
+        </p:nvSpPr>
+        <p:spPr>
+          <a:xfrm>
+            <a:off x="6592018" y="4993566"/>
+            <a:ext cx="2662564" cy="276999"/>
+          </a:xfrm>
+          <a:prstGeom prst="rect">
+            <a:avLst/>
+          </a:prstGeom>
+          <a:noFill/>
+        </p:spPr>
+        <p:txBody>
+          <a:bodyPr wrap="square" rtlCol="0">
+            <a:spAutoFit/>
+          </a:bodyPr>
+          <a:lstStyle/>
+          <a:p>
+            <a:r>
+              <a:rPr lang="en-US" sz="1200" dirty="0"/>
+              <a:t>User error to update parameters</a:t>
+            </a:r>
+          </a:p>
+        </p:txBody>
+      </p:sp>
+      <p:sp>
+        <p:nvSpPr>
+          <p:cNvPr id="50" name="Right Brace 49">
+            <a:extLst>
+              <a:ext uri="{FF2B5EF4-FFF2-40B4-BE49-F238E27FC236}">
+                <a16:creationId xmlns:a16="http://schemas.microsoft.com/office/drawing/2014/main" id="{046AD9A0-905C-46ED-BD75-7B1B8592A7A0}"/>
+              </a:ext>
+            </a:extLst>
+          </p:cNvPr>
+          <p:cNvSpPr/>
+          <p:nvPr/>
+        </p:nvSpPr>
+        <p:spPr>
+          <a:xfrm rot="16200000">
+            <a:off x="6635849" y="806635"/>
+            <a:ext cx="341239" cy="4954849"/>
+          </a:xfrm>
+          <a:prstGeom prst="rightBrace">
+            <a:avLst/>
+          </a:prstGeom>
+        </p:spPr>
+        <p:style>
+          <a:lnRef idx="1">
+            <a:schemeClr val="accent1"/>
+          </a:lnRef>
+          <a:fillRef idx="0">
+            <a:schemeClr val="accent1"/>
+          </a:fillRef>
+          <a:effectRef idx="0">
+            <a:schemeClr val="accent1"/>
+          </a:effectRef>
+          <a:fontRef idx="minor">
+            <a:schemeClr val="tx1"/>
+          </a:fontRef>
+        </p:style>
+        <p:txBody>
+          <a:bodyPr rtlCol="0" anchor="ctr"/>
+          <a:lstStyle/>
+          <a:p>
+            <a:pPr algn="ctr"/>
+            <a:endParaRPr lang="en-US"/>
+          </a:p>
+        </p:txBody>
+      </p:sp>
+      <p:sp>
+        <p:nvSpPr>
+          <p:cNvPr id="51" name="TextBox 50">
+            <a:extLst>
+              <a:ext uri="{FF2B5EF4-FFF2-40B4-BE49-F238E27FC236}">
+                <a16:creationId xmlns:a16="http://schemas.microsoft.com/office/drawing/2014/main" id="{ED347B8E-971B-4537-B6FB-BB35BF56676C}"/>
+              </a:ext>
+            </a:extLst>
+          </p:cNvPr>
+          <p:cNvSpPr txBox="1"/>
+          <p:nvPr/>
+        </p:nvSpPr>
+        <p:spPr>
+          <a:xfrm>
+            <a:off x="4852395" y="2801335"/>
+            <a:ext cx="4090923" cy="276999"/>
+          </a:xfrm>
+          <a:prstGeom prst="rect">
+            <a:avLst/>
+          </a:prstGeom>
+          <a:noFill/>
+        </p:spPr>
+        <p:txBody>
+          <a:bodyPr wrap="square" rtlCol="0">
+            <a:spAutoFit/>
+          </a:bodyPr>
+          <a:lstStyle/>
+          <a:p>
+            <a:r>
+              <a:rPr lang="en-US" sz="1200" dirty="0"/>
+              <a:t>Give one row to the model/parameters to get an output</a:t>
+            </a:r>
+          </a:p>
+        </p:txBody>
+      </p:sp>
+      <p:sp>
+        <p:nvSpPr>
+          <p:cNvPr id="52" name="Rectangle: Rounded Corners 51">
+            <a:extLst>
+              <a:ext uri="{FF2B5EF4-FFF2-40B4-BE49-F238E27FC236}">
+                <a16:creationId xmlns:a16="http://schemas.microsoft.com/office/drawing/2014/main" id="{F2207FDF-DF00-4B29-B491-D5C5E2E647EC}"/>
+              </a:ext>
+            </a:extLst>
+          </p:cNvPr>
+          <p:cNvSpPr/>
+          <p:nvPr/>
+        </p:nvSpPr>
+        <p:spPr>
+          <a:xfrm>
+            <a:off x="4301692" y="1211640"/>
+            <a:ext cx="684339" cy="232003"/>
+          </a:xfrm>
+          <a:prstGeom prst="roundRect">
+            <a:avLst/>
+          </a:prstGeom>
+          <a:solidFill>
+            <a:srgbClr val="FFC000"/>
+          </a:solidFill>
+        </p:spPr>
+        <p:style>
+          <a:lnRef idx="2">
+            <a:schemeClr val="accent1">
+              <a:shade val="50000"/>
+            </a:schemeClr>
+          </a:lnRef>
+          <a:fillRef idx="1">
+            <a:schemeClr val="accent1"/>
+          </a:fillRef>
+          <a:effectRef idx="0">
+            <a:schemeClr val="accent1"/>
+          </a:effectRef>
+          <a:fontRef idx="minor">
+            <a:schemeClr val="lt1"/>
+          </a:fontRef>
+        </p:style>
+        <p:txBody>
+          <a:bodyPr rtlCol="0" anchor="ctr"/>
+          <a:lstStyle/>
+          <a:p>
+            <a:pPr algn="ctr"/>
+            <a:r>
+              <a:rPr lang="en-US" sz="1100" dirty="0">
+                <a:solidFill>
+                  <a:schemeClr val="tx1"/>
+                </a:solidFill>
+              </a:rPr>
+              <a:t>0, 0</a:t>
+            </a:r>
+            <a:endParaRPr lang="en-US" dirty="0">
+              <a:solidFill>
+                <a:schemeClr val="tx1"/>
+              </a:solidFill>
+            </a:endParaRPr>
+          </a:p>
+        </p:txBody>
+      </p:sp>
+      <p:sp>
+        <p:nvSpPr>
+          <p:cNvPr id="53" name="Rectangle: Rounded Corners 52">
+            <a:extLst>
+              <a:ext uri="{FF2B5EF4-FFF2-40B4-BE49-F238E27FC236}">
+                <a16:creationId xmlns:a16="http://schemas.microsoft.com/office/drawing/2014/main" id="{2BBA1B92-E1DC-4331-9259-4FD358DDE07C}"/>
+              </a:ext>
+            </a:extLst>
+          </p:cNvPr>
+          <p:cNvSpPr/>
+          <p:nvPr/>
+        </p:nvSpPr>
+        <p:spPr>
+          <a:xfrm>
+            <a:off x="4303858" y="1469800"/>
+            <a:ext cx="684339" cy="232003"/>
+          </a:xfrm>
+          <a:prstGeom prst="roundRect">
+            <a:avLst/>
+          </a:prstGeom>
+          <a:solidFill>
+            <a:srgbClr val="FFC000"/>
+          </a:solidFill>
+        </p:spPr>
+        <p:style>
+          <a:lnRef idx="2">
+            <a:schemeClr val="accent1">
+              <a:shade val="50000"/>
+            </a:schemeClr>
+          </a:lnRef>
+          <a:fillRef idx="1">
+            <a:schemeClr val="accent1"/>
+          </a:fillRef>
+          <a:effectRef idx="0">
+            <a:schemeClr val="accent1"/>
+          </a:effectRef>
+          <a:fontRef idx="minor">
+            <a:schemeClr val="lt1"/>
+          </a:fontRef>
+        </p:style>
+        <p:txBody>
+          <a:bodyPr rtlCol="0" anchor="ctr"/>
+          <a:lstStyle/>
+          <a:p>
+            <a:pPr algn="ctr"/>
+            <a:r>
+              <a:rPr lang="en-US" sz="1100" dirty="0">
+                <a:solidFill>
+                  <a:schemeClr val="tx1"/>
+                </a:solidFill>
+              </a:rPr>
+              <a:t>1, 1</a:t>
+            </a:r>
+            <a:endParaRPr lang="en-US" dirty="0">
+              <a:solidFill>
+                <a:schemeClr val="tx1"/>
+              </a:solidFill>
+            </a:endParaRPr>
+          </a:p>
+        </p:txBody>
+      </p:sp>
+      <p:sp>
+        <p:nvSpPr>
+          <p:cNvPr id="54" name="Rectangle: Rounded Corners 53">
+            <a:extLst>
+              <a:ext uri="{FF2B5EF4-FFF2-40B4-BE49-F238E27FC236}">
+                <a16:creationId xmlns:a16="http://schemas.microsoft.com/office/drawing/2014/main" id="{B035B37F-CE61-4FBD-A846-072F4BEC3C26}"/>
+              </a:ext>
+            </a:extLst>
+          </p:cNvPr>
+          <p:cNvSpPr/>
+          <p:nvPr/>
+        </p:nvSpPr>
+        <p:spPr>
+          <a:xfrm>
+            <a:off x="4303859" y="1731370"/>
+            <a:ext cx="684339" cy="232003"/>
+          </a:xfrm>
+          <a:prstGeom prst="roundRect">
+            <a:avLst/>
+          </a:prstGeom>
+          <a:solidFill>
+            <a:srgbClr val="FFC000"/>
+          </a:solidFill>
+        </p:spPr>
+        <p:style>
+          <a:lnRef idx="2">
+            <a:schemeClr val="accent1">
+              <a:shade val="50000"/>
+            </a:schemeClr>
+          </a:lnRef>
+          <a:fillRef idx="1">
+            <a:schemeClr val="accent1"/>
+          </a:fillRef>
+          <a:effectRef idx="0">
+            <a:schemeClr val="accent1"/>
+          </a:effectRef>
+          <a:fontRef idx="minor">
+            <a:schemeClr val="lt1"/>
+          </a:fontRef>
+        </p:style>
+        <p:txBody>
+          <a:bodyPr rtlCol="0" anchor="ctr"/>
+          <a:lstStyle/>
+          <a:p>
+            <a:pPr algn="ctr"/>
+            <a:r>
+              <a:rPr lang="en-US" sz="1100" dirty="0">
+                <a:solidFill>
+                  <a:schemeClr val="tx1"/>
+                </a:solidFill>
+              </a:rPr>
+              <a:t>1, 0</a:t>
+            </a:r>
+            <a:endParaRPr lang="en-US" dirty="0">
+              <a:solidFill>
+                <a:schemeClr val="tx1"/>
+              </a:solidFill>
+            </a:endParaRPr>
+          </a:p>
+        </p:txBody>
+      </p:sp>
+      <p:sp>
+        <p:nvSpPr>
+          <p:cNvPr id="55" name="Rectangle: Rounded Corners 54">
+            <a:extLst>
+              <a:ext uri="{FF2B5EF4-FFF2-40B4-BE49-F238E27FC236}">
+                <a16:creationId xmlns:a16="http://schemas.microsoft.com/office/drawing/2014/main" id="{90A4E1A6-312B-44F6-A2DC-A7460D911247}"/>
+              </a:ext>
+            </a:extLst>
+          </p:cNvPr>
+          <p:cNvSpPr/>
+          <p:nvPr/>
+        </p:nvSpPr>
+        <p:spPr>
+          <a:xfrm>
+            <a:off x="4300182" y="1992127"/>
+            <a:ext cx="684339" cy="232003"/>
+          </a:xfrm>
+          <a:prstGeom prst="roundRect">
+            <a:avLst/>
+          </a:prstGeom>
+          <a:solidFill>
+            <a:srgbClr val="FFC000"/>
+          </a:solidFill>
+        </p:spPr>
+        <p:style>
+          <a:lnRef idx="2">
+            <a:schemeClr val="accent1">
+              <a:shade val="50000"/>
+            </a:schemeClr>
+          </a:lnRef>
+          <a:fillRef idx="1">
+            <a:schemeClr val="accent1"/>
+          </a:fillRef>
+          <a:effectRef idx="0">
+            <a:schemeClr val="accent1"/>
+          </a:effectRef>
+          <a:fontRef idx="minor">
+            <a:schemeClr val="lt1"/>
+          </a:fontRef>
+        </p:style>
+        <p:txBody>
+          <a:bodyPr rtlCol="0" anchor="ctr"/>
+          <a:lstStyle/>
+          <a:p>
+            <a:pPr algn="ctr"/>
+            <a:r>
+              <a:rPr lang="en-US" sz="1100" dirty="0">
+                <a:solidFill>
+                  <a:schemeClr val="tx1"/>
+                </a:solidFill>
+              </a:rPr>
+              <a:t>0, 1</a:t>
+            </a:r>
+            <a:endParaRPr lang="en-US" dirty="0">
+              <a:solidFill>
+                <a:schemeClr val="tx1"/>
+              </a:solidFill>
+            </a:endParaRPr>
+          </a:p>
+        </p:txBody>
+      </p:sp>
+      <p:sp>
+        <p:nvSpPr>
+          <p:cNvPr id="56" name="Rectangle: Rounded Corners 55">
+            <a:extLst>
+              <a:ext uri="{FF2B5EF4-FFF2-40B4-BE49-F238E27FC236}">
+                <a16:creationId xmlns:a16="http://schemas.microsoft.com/office/drawing/2014/main" id="{C693675C-0E20-4281-9AB5-C8BC77AAE7D3}"/>
+              </a:ext>
+            </a:extLst>
+          </p:cNvPr>
+          <p:cNvSpPr/>
+          <p:nvPr/>
+        </p:nvSpPr>
+        <p:spPr>
+          <a:xfrm>
+            <a:off x="5106793" y="1218526"/>
+            <a:ext cx="627848" cy="232003"/>
+          </a:xfrm>
+          <a:prstGeom prst="roundRect">
+            <a:avLst/>
+          </a:prstGeom>
+          <a:solidFill>
+            <a:srgbClr val="00B0F0"/>
+          </a:solidFill>
+        </p:spPr>
+        <p:style>
+          <a:lnRef idx="2">
+            <a:schemeClr val="accent1">
+              <a:shade val="50000"/>
+            </a:schemeClr>
+          </a:lnRef>
+          <a:fillRef idx="1">
+            <a:schemeClr val="accent1"/>
+          </a:fillRef>
+          <a:effectRef idx="0">
+            <a:schemeClr val="accent1"/>
+          </a:effectRef>
+          <a:fontRef idx="minor">
+            <a:schemeClr val="lt1"/>
+          </a:fontRef>
+        </p:style>
+        <p:txBody>
+          <a:bodyPr rtlCol="0" anchor="ctr"/>
+          <a:lstStyle/>
+          <a:p>
+            <a:pPr algn="ctr"/>
+            <a:r>
+              <a:rPr lang="en-US" sz="1100" dirty="0">
+                <a:solidFill>
+                  <a:schemeClr val="tx1"/>
+                </a:solidFill>
+              </a:rPr>
+              <a:t>0</a:t>
+            </a:r>
+            <a:endParaRPr lang="en-US" dirty="0">
+              <a:solidFill>
+                <a:schemeClr val="tx1"/>
+              </a:solidFill>
+            </a:endParaRPr>
+          </a:p>
+        </p:txBody>
+      </p:sp>
+      <p:sp>
+        <p:nvSpPr>
+          <p:cNvPr id="57" name="Rectangle: Rounded Corners 56">
+            <a:extLst>
+              <a:ext uri="{FF2B5EF4-FFF2-40B4-BE49-F238E27FC236}">
+                <a16:creationId xmlns:a16="http://schemas.microsoft.com/office/drawing/2014/main" id="{54D91234-7418-4D17-887B-B44C650AF42A}"/>
+              </a:ext>
+            </a:extLst>
+          </p:cNvPr>
+          <p:cNvSpPr/>
+          <p:nvPr/>
+        </p:nvSpPr>
+        <p:spPr>
+          <a:xfrm>
+            <a:off x="5108959" y="1469800"/>
+            <a:ext cx="627848" cy="232003"/>
+          </a:xfrm>
+          <a:prstGeom prst="roundRect">
+            <a:avLst/>
+          </a:prstGeom>
+          <a:solidFill>
+            <a:srgbClr val="00B0F0"/>
+          </a:solidFill>
+        </p:spPr>
+        <p:style>
+          <a:lnRef idx="2">
+            <a:schemeClr val="accent1">
+              <a:shade val="50000"/>
+            </a:schemeClr>
+          </a:lnRef>
+          <a:fillRef idx="1">
+            <a:schemeClr val="accent1"/>
+          </a:fillRef>
+          <a:effectRef idx="0">
+            <a:schemeClr val="accent1"/>
+          </a:effectRef>
+          <a:fontRef idx="minor">
+            <a:schemeClr val="lt1"/>
+          </a:fontRef>
+        </p:style>
+        <p:txBody>
+          <a:bodyPr rtlCol="0" anchor="ctr"/>
+          <a:lstStyle/>
+          <a:p>
+            <a:pPr algn="ctr"/>
+            <a:r>
+              <a:rPr lang="en-US" sz="1100" dirty="0">
+                <a:solidFill>
+                  <a:schemeClr val="tx1"/>
+                </a:solidFill>
+              </a:rPr>
+              <a:t>0</a:t>
+            </a:r>
+            <a:endParaRPr lang="en-US" dirty="0">
+              <a:solidFill>
+                <a:schemeClr val="tx1"/>
+              </a:solidFill>
+            </a:endParaRPr>
+          </a:p>
+        </p:txBody>
+      </p:sp>
+      <p:sp>
+        <p:nvSpPr>
+          <p:cNvPr id="58" name="Rectangle: Rounded Corners 57">
+            <a:extLst>
+              <a:ext uri="{FF2B5EF4-FFF2-40B4-BE49-F238E27FC236}">
+                <a16:creationId xmlns:a16="http://schemas.microsoft.com/office/drawing/2014/main" id="{46B50DA4-2CF1-44BF-8CF1-E05D96E705B9}"/>
+              </a:ext>
+            </a:extLst>
+          </p:cNvPr>
+          <p:cNvSpPr/>
+          <p:nvPr/>
+        </p:nvSpPr>
+        <p:spPr>
+          <a:xfrm>
+            <a:off x="5108959" y="1737228"/>
+            <a:ext cx="627848" cy="232003"/>
+          </a:xfrm>
+          <a:prstGeom prst="roundRect">
+            <a:avLst/>
+          </a:prstGeom>
+          <a:solidFill>
+            <a:srgbClr val="00B0F0"/>
+          </a:solidFill>
+        </p:spPr>
+        <p:style>
+          <a:lnRef idx="2">
+            <a:schemeClr val="accent1">
+              <a:shade val="50000"/>
+            </a:schemeClr>
+          </a:lnRef>
+          <a:fillRef idx="1">
+            <a:schemeClr val="accent1"/>
+          </a:fillRef>
+          <a:effectRef idx="0">
+            <a:schemeClr val="accent1"/>
+          </a:effectRef>
+          <a:fontRef idx="minor">
+            <a:schemeClr val="lt1"/>
+          </a:fontRef>
+        </p:style>
+        <p:txBody>
+          <a:bodyPr rtlCol="0" anchor="ctr"/>
+          <a:lstStyle/>
+          <a:p>
+            <a:pPr algn="ctr"/>
+            <a:r>
+              <a:rPr lang="en-US" sz="1100" dirty="0">
+                <a:solidFill>
+                  <a:schemeClr val="tx1"/>
+                </a:solidFill>
+              </a:rPr>
+              <a:t>1</a:t>
+            </a:r>
+            <a:endParaRPr lang="en-US" dirty="0">
+              <a:solidFill>
+                <a:schemeClr val="tx1"/>
+              </a:solidFill>
+            </a:endParaRPr>
+          </a:p>
+        </p:txBody>
+      </p:sp>
+      <p:sp>
+        <p:nvSpPr>
+          <p:cNvPr id="59" name="Rectangle: Rounded Corners 58">
+            <a:extLst>
+              <a:ext uri="{FF2B5EF4-FFF2-40B4-BE49-F238E27FC236}">
+                <a16:creationId xmlns:a16="http://schemas.microsoft.com/office/drawing/2014/main" id="{2744EC70-BFA8-4B02-B1A4-EF600AD78D5C}"/>
+              </a:ext>
+            </a:extLst>
+          </p:cNvPr>
+          <p:cNvSpPr/>
+          <p:nvPr/>
+        </p:nvSpPr>
+        <p:spPr>
+          <a:xfrm>
+            <a:off x="5108959" y="1998231"/>
+            <a:ext cx="627848" cy="232003"/>
+          </a:xfrm>
+          <a:prstGeom prst="roundRect">
+            <a:avLst/>
+          </a:prstGeom>
+          <a:solidFill>
+            <a:srgbClr val="00B0F0"/>
+          </a:solidFill>
+        </p:spPr>
+        <p:style>
+          <a:lnRef idx="2">
+            <a:schemeClr val="accent1">
+              <a:shade val="50000"/>
+            </a:schemeClr>
+          </a:lnRef>
+          <a:fillRef idx="1">
+            <a:schemeClr val="accent1"/>
+          </a:fillRef>
+          <a:effectRef idx="0">
+            <a:schemeClr val="accent1"/>
+          </a:effectRef>
+          <a:fontRef idx="minor">
+            <a:schemeClr val="lt1"/>
+          </a:fontRef>
+        </p:style>
+        <p:txBody>
+          <a:bodyPr rtlCol="0" anchor="ctr"/>
+          <a:lstStyle/>
+          <a:p>
+            <a:pPr algn="ctr"/>
+            <a:r>
+              <a:rPr lang="en-US" sz="1100" dirty="0">
+                <a:solidFill>
+                  <a:schemeClr val="tx1"/>
+                </a:solidFill>
+              </a:rPr>
+              <a:t>1</a:t>
+            </a:r>
+            <a:endParaRPr lang="en-US" dirty="0">
+              <a:solidFill>
+                <a:schemeClr val="tx1"/>
+              </a:solidFill>
+            </a:endParaRPr>
+          </a:p>
+        </p:txBody>
+      </p:sp>
+      <p:cxnSp>
+        <p:nvCxnSpPr>
+          <p:cNvPr id="61" name="Straight Connector 60">
+            <a:extLst>
+              <a:ext uri="{FF2B5EF4-FFF2-40B4-BE49-F238E27FC236}">
+                <a16:creationId xmlns:a16="http://schemas.microsoft.com/office/drawing/2014/main" id="{1B253097-640C-43AC-AEA1-FEBA48A59735}"/>
+              </a:ext>
+            </a:extLst>
+          </p:cNvPr>
+          <p:cNvCxnSpPr/>
+          <p:nvPr/>
+        </p:nvCxnSpPr>
+        <p:spPr>
+          <a:xfrm>
+            <a:off x="4211943" y="1152482"/>
+            <a:ext cx="1685365" cy="0"/>
+          </a:xfrm>
+          <a:prstGeom prst="line">
+            <a:avLst/>
+          </a:prstGeom>
+        </p:spPr>
+        <p:style>
+          <a:lnRef idx="1">
+            <a:schemeClr val="accent1"/>
+          </a:lnRef>
+          <a:fillRef idx="0">
+            <a:schemeClr val="accent1"/>
+          </a:fillRef>
+          <a:effectRef idx="0">
+            <a:schemeClr val="accent1"/>
+          </a:effectRef>
+          <a:fontRef idx="minor">
+            <a:schemeClr val="tx1"/>
+          </a:fontRef>
+        </p:style>
+      </p:cxnSp>
+      <p:cxnSp>
+        <p:nvCxnSpPr>
+          <p:cNvPr id="63" name="Straight Connector 62">
+            <a:extLst>
+              <a:ext uri="{FF2B5EF4-FFF2-40B4-BE49-F238E27FC236}">
+                <a16:creationId xmlns:a16="http://schemas.microsoft.com/office/drawing/2014/main" id="{43393394-5F7B-43DF-97FD-9C27F43BBA96}"/>
+              </a:ext>
+            </a:extLst>
+          </p:cNvPr>
+          <p:cNvCxnSpPr/>
+          <p:nvPr/>
+        </p:nvCxnSpPr>
+        <p:spPr>
+          <a:xfrm>
+            <a:off x="5054625" y="907727"/>
+            <a:ext cx="0" cy="1358197"/>
+          </a:xfrm>
+          <a:prstGeom prst="line">
+            <a:avLst/>
+          </a:prstGeom>
+        </p:spPr>
+        <p:style>
+          <a:lnRef idx="1">
+            <a:schemeClr val="accent1"/>
+          </a:lnRef>
+          <a:fillRef idx="0">
+            <a:schemeClr val="accent1"/>
+          </a:fillRef>
+          <a:effectRef idx="0">
+            <a:schemeClr val="accent1"/>
+          </a:effectRef>
+          <a:fontRef idx="minor">
+            <a:schemeClr val="tx1"/>
+          </a:fontRef>
+        </p:style>
+      </p:cxnSp>
+      <p:sp>
+        <p:nvSpPr>
+          <p:cNvPr id="64" name="TextBox 63">
+            <a:extLst>
+              <a:ext uri="{FF2B5EF4-FFF2-40B4-BE49-F238E27FC236}">
+                <a16:creationId xmlns:a16="http://schemas.microsoft.com/office/drawing/2014/main" id="{E9AAD988-62E4-48AD-838F-11F52EFA1314}"/>
+              </a:ext>
+            </a:extLst>
+          </p:cNvPr>
+          <p:cNvSpPr txBox="1"/>
+          <p:nvPr/>
+        </p:nvSpPr>
+        <p:spPr>
+          <a:xfrm>
+            <a:off x="4330779" y="856216"/>
+            <a:ext cx="799157" cy="307777"/>
+          </a:xfrm>
+          <a:prstGeom prst="rect">
+            <a:avLst/>
+          </a:prstGeom>
+          <a:noFill/>
+        </p:spPr>
+        <p:txBody>
+          <a:bodyPr wrap="square" rtlCol="0">
+            <a:spAutoFit/>
+          </a:bodyPr>
+          <a:lstStyle/>
+          <a:p>
+            <a:r>
+              <a:rPr lang="en-US" sz="1400" dirty="0"/>
+              <a:t>Inputs</a:t>
+            </a:r>
+            <a:endParaRPr lang="en-US" dirty="0"/>
+          </a:p>
+        </p:txBody>
+      </p:sp>
+      <p:sp>
+        <p:nvSpPr>
+          <p:cNvPr id="65" name="TextBox 64">
+            <a:extLst>
+              <a:ext uri="{FF2B5EF4-FFF2-40B4-BE49-F238E27FC236}">
+                <a16:creationId xmlns:a16="http://schemas.microsoft.com/office/drawing/2014/main" id="{24C56406-3F90-40B3-9885-0585F8B6AF03}"/>
+              </a:ext>
+            </a:extLst>
+          </p:cNvPr>
+          <p:cNvSpPr txBox="1"/>
+          <p:nvPr/>
+        </p:nvSpPr>
+        <p:spPr>
+          <a:xfrm>
+            <a:off x="5082259" y="848039"/>
+            <a:ext cx="799157" cy="307777"/>
+          </a:xfrm>
+          <a:prstGeom prst="rect">
+            <a:avLst/>
+          </a:prstGeom>
+          <a:noFill/>
+        </p:spPr>
+        <p:txBody>
+          <a:bodyPr wrap="square" rtlCol="0">
+            <a:spAutoFit/>
+          </a:bodyPr>
+          <a:lstStyle/>
+          <a:p>
+            <a:r>
+              <a:rPr lang="en-US" sz="1400" dirty="0"/>
+              <a:t>Targets</a:t>
+            </a:r>
+            <a:endParaRPr lang="en-US" dirty="0"/>
+          </a:p>
+        </p:txBody>
+      </p:sp>
+      <p:sp>
+        <p:nvSpPr>
+          <p:cNvPr id="66" name="TextBox 65">
+            <a:extLst>
+              <a:ext uri="{FF2B5EF4-FFF2-40B4-BE49-F238E27FC236}">
+                <a16:creationId xmlns:a16="http://schemas.microsoft.com/office/drawing/2014/main" id="{2803D221-CC4F-49EB-BCF4-A8F41ADA1F90}"/>
+              </a:ext>
+            </a:extLst>
+          </p:cNvPr>
+          <p:cNvSpPr txBox="1"/>
+          <p:nvPr/>
+        </p:nvSpPr>
+        <p:spPr>
+          <a:xfrm>
+            <a:off x="6376381" y="202049"/>
+            <a:ext cx="3606509" cy="369332"/>
+          </a:xfrm>
+          <a:prstGeom prst="rect">
+            <a:avLst/>
+          </a:prstGeom>
+          <a:noFill/>
+        </p:spPr>
+        <p:txBody>
+          <a:bodyPr wrap="square" rtlCol="0">
+            <a:spAutoFit/>
+          </a:bodyPr>
+          <a:lstStyle/>
+          <a:p>
+            <a:r>
+              <a:rPr lang="en-US" dirty="0"/>
+              <a:t>Training Loop</a:t>
+            </a:r>
+          </a:p>
+        </p:txBody>
+      </p:sp>
+      <p:sp>
+        <p:nvSpPr>
+          <p:cNvPr id="69" name="Right Brace 68">
+            <a:extLst>
+              <a:ext uri="{FF2B5EF4-FFF2-40B4-BE49-F238E27FC236}">
+                <a16:creationId xmlns:a16="http://schemas.microsoft.com/office/drawing/2014/main" id="{CA7FF2C3-9836-4CD3-8255-D5160A0A51EA}"/>
+              </a:ext>
+            </a:extLst>
+          </p:cNvPr>
+          <p:cNvSpPr/>
+          <p:nvPr/>
+        </p:nvSpPr>
+        <p:spPr>
+          <a:xfrm rot="16200000">
+            <a:off x="10596291" y="2565551"/>
+            <a:ext cx="334688" cy="2296929"/>
+          </a:xfrm>
+          <a:prstGeom prst="rightBrace">
+            <a:avLst/>
+          </a:prstGeom>
+        </p:spPr>
+        <p:style>
+          <a:lnRef idx="1">
+            <a:schemeClr val="accent1"/>
+          </a:lnRef>
+          <a:fillRef idx="0">
+            <a:schemeClr val="accent1"/>
+          </a:fillRef>
+          <a:effectRef idx="0">
+            <a:schemeClr val="accent1"/>
+          </a:effectRef>
+          <a:fontRef idx="minor">
+            <a:schemeClr val="tx1"/>
+          </a:fontRef>
+        </p:style>
+        <p:txBody>
+          <a:bodyPr rtlCol="0" anchor="ctr"/>
+          <a:lstStyle/>
+          <a:p>
+            <a:pPr algn="ctr"/>
+            <a:endParaRPr lang="en-US"/>
+          </a:p>
+        </p:txBody>
+      </p:sp>
+      <p:sp>
+        <p:nvSpPr>
+          <p:cNvPr id="71" name="TextBox 70">
+            <a:extLst>
+              <a:ext uri="{FF2B5EF4-FFF2-40B4-BE49-F238E27FC236}">
+                <a16:creationId xmlns:a16="http://schemas.microsoft.com/office/drawing/2014/main" id="{B11F7322-D041-4BE8-9846-CF6422330175}"/>
+              </a:ext>
+            </a:extLst>
+          </p:cNvPr>
+          <p:cNvSpPr txBox="1"/>
+          <p:nvPr/>
+        </p:nvSpPr>
+        <p:spPr>
+          <a:xfrm>
+            <a:off x="10003870" y="3231799"/>
+            <a:ext cx="1905130" cy="276999"/>
+          </a:xfrm>
+          <a:prstGeom prst="rect">
+            <a:avLst/>
+          </a:prstGeom>
+          <a:noFill/>
+        </p:spPr>
+        <p:txBody>
+          <a:bodyPr wrap="square" rtlCol="0">
+            <a:spAutoFit/>
+          </a:bodyPr>
+          <a:lstStyle/>
+          <a:p>
+            <a:r>
+              <a:rPr lang="en-US" sz="1200" dirty="0"/>
+              <a:t>Calculate output error</a:t>
+            </a:r>
+          </a:p>
+        </p:txBody>
+      </p:sp>
+      <p:sp>
+        <p:nvSpPr>
+          <p:cNvPr id="72" name="Arrow: Right 71">
+            <a:extLst>
+              <a:ext uri="{FF2B5EF4-FFF2-40B4-BE49-F238E27FC236}">
+                <a16:creationId xmlns:a16="http://schemas.microsoft.com/office/drawing/2014/main" id="{19288192-2DB2-4196-9093-C89367C08246}"/>
+              </a:ext>
+            </a:extLst>
+          </p:cNvPr>
+          <p:cNvSpPr/>
+          <p:nvPr/>
+        </p:nvSpPr>
+        <p:spPr>
+          <a:xfrm>
+            <a:off x="3999436" y="1262472"/>
+            <a:ext cx="212507" cy="144109"/>
+          </a:xfrm>
+          <a:prstGeom prst="rightArrow">
+            <a:avLst/>
+          </a:prstGeom>
+          <a:solidFill>
+            <a:schemeClr val="tx1"/>
+          </a:solidFill>
+        </p:spPr>
+        <p:style>
+          <a:lnRef idx="2">
+            <a:schemeClr val="accent1">
+              <a:shade val="50000"/>
+            </a:schemeClr>
+          </a:lnRef>
+          <a:fillRef idx="1">
+            <a:schemeClr val="accent1"/>
+          </a:fillRef>
+          <a:effectRef idx="0">
+            <a:schemeClr val="accent1"/>
+          </a:effectRef>
+          <a:fontRef idx="minor">
+            <a:schemeClr val="lt1"/>
+          </a:fontRef>
+        </p:style>
+        <p:txBody>
+          <a:bodyPr rtlCol="0" anchor="ctr"/>
+          <a:lstStyle/>
+          <a:p>
+            <a:pPr algn="ctr"/>
+            <a:endParaRPr lang="en-US"/>
           </a:p>
         </p:txBody>
       </p:sp>
@@ -16724,8 +18505,8 @@
         </p:nvSpPr>
         <p:spPr>
           <a:xfrm>
-            <a:off x="5833165" y="2685242"/>
-            <a:ext cx="3947064" cy="986343"/>
+            <a:off x="4730112" y="4149177"/>
+            <a:ext cx="1876482" cy="900154"/>
           </a:xfrm>
           <a:prstGeom prst="roundRect">
             <a:avLst/>
@@ -16752,7 +18533,7 @@
           <a:lstStyle/>
           <a:p>
             <a:r>
-              <a:rPr lang="en-US" dirty="0"/>
+              <a:rPr lang="en-US" sz="1100" dirty="0"/>
               <a:t>Does my trained model produce acceptable results on testing data?</a:t>
             </a:r>
           </a:p>
@@ -16767,13 +18548,15 @@
               </a:ext>
             </a:extLst>
           </p:cNvPr>
-          <p:cNvCxnSpPr/>
+          <p:cNvCxnSpPr>
+            <a:cxnSpLocks/>
+          </p:cNvCxnSpPr>
           <p:nvPr/>
         </p:nvCxnSpPr>
         <p:spPr>
           <a:xfrm flipH="1">
-            <a:off x="5921704" y="3736999"/>
-            <a:ext cx="553915" cy="791308"/>
+            <a:off x="4499779" y="5083941"/>
+            <a:ext cx="314268" cy="421976"/>
           </a:xfrm>
           <a:prstGeom prst="straightConnector1">
             <a:avLst/>
@@ -16811,7 +18594,7 @@
         </p:nvSpPr>
         <p:spPr>
           <a:xfrm>
-            <a:off x="6327990" y="4007372"/>
+            <a:off x="4719005" y="5101975"/>
             <a:ext cx="1028286" cy="369332"/>
           </a:xfrm>
           <a:prstGeom prst="rect">
@@ -16843,13 +18626,14 @@
           </p:cNvPr>
           <p:cNvCxnSpPr>
             <a:cxnSpLocks/>
+            <a:stCxn id="16" idx="0"/>
           </p:cNvCxnSpPr>
           <p:nvPr/>
         </p:nvCxnSpPr>
         <p:spPr>
           <a:xfrm>
-            <a:off x="8846055" y="3731595"/>
-            <a:ext cx="667222" cy="743218"/>
+            <a:off x="6478094" y="5098300"/>
+            <a:ext cx="333611" cy="371609"/>
           </a:xfrm>
           <a:prstGeom prst="straightConnector1">
             <a:avLst/>
@@ -16887,7 +18671,7 @@
         </p:nvSpPr>
         <p:spPr>
           <a:xfrm>
-            <a:off x="8475508" y="4013404"/>
+            <a:off x="5963951" y="5098300"/>
             <a:ext cx="1028286" cy="369332"/>
           </a:xfrm>
           <a:prstGeom prst="rect">
@@ -16922,8 +18706,8 @@
         </p:nvSpPr>
         <p:spPr>
           <a:xfrm>
-            <a:off x="4768904" y="4597469"/>
-            <a:ext cx="2395340" cy="661936"/>
+            <a:off x="3758040" y="5582313"/>
+            <a:ext cx="1559086" cy="522182"/>
           </a:xfrm>
           <a:prstGeom prst="roundRect">
             <a:avLst/>
@@ -16950,7 +18734,7 @@
           <a:lstStyle/>
           <a:p>
             <a:r>
-              <a:rPr lang="en-US" dirty="0"/>
+              <a:rPr lang="en-US" sz="1100" dirty="0"/>
               <a:t>Move to final step #7</a:t>
             </a:r>
           </a:p>
@@ -16970,8 +18754,8 @@
         </p:nvSpPr>
         <p:spPr>
           <a:xfrm>
-            <a:off x="8315606" y="4597469"/>
-            <a:ext cx="2534101" cy="661936"/>
+            <a:off x="5980691" y="5582313"/>
+            <a:ext cx="1581429" cy="522182"/>
           </a:xfrm>
           <a:prstGeom prst="roundRect">
             <a:avLst/>
@@ -16998,8 +18782,287 @@
           <a:lstStyle/>
           <a:p>
             <a:r>
-              <a:rPr lang="en-US" dirty="0"/>
+              <a:rPr lang="en-US" sz="1100" dirty="0"/>
               <a:t>Move back to step #3</a:t>
+            </a:r>
+          </a:p>
+        </p:txBody>
+      </p:sp>
+      <p:sp>
+        <p:nvSpPr>
+          <p:cNvPr id="19" name="Arrow: Right 18">
+            <a:extLst>
+              <a:ext uri="{FF2B5EF4-FFF2-40B4-BE49-F238E27FC236}">
+                <a16:creationId xmlns:a16="http://schemas.microsoft.com/office/drawing/2014/main" id="{884D8845-0CE8-4C6C-9F1E-DF5FCF6412AD}"/>
+              </a:ext>
+            </a:extLst>
+          </p:cNvPr>
+          <p:cNvSpPr/>
+          <p:nvPr/>
+        </p:nvSpPr>
+        <p:spPr>
+          <a:xfrm>
+            <a:off x="7167035" y="3049435"/>
+            <a:ext cx="626668" cy="232003"/>
+          </a:xfrm>
+          <a:prstGeom prst="rightArrow">
+            <a:avLst/>
+          </a:prstGeom>
+        </p:spPr>
+        <p:style>
+          <a:lnRef idx="2">
+            <a:schemeClr val="accent1">
+              <a:shade val="50000"/>
+            </a:schemeClr>
+          </a:lnRef>
+          <a:fillRef idx="1">
+            <a:schemeClr val="accent1"/>
+          </a:fillRef>
+          <a:effectRef idx="0">
+            <a:schemeClr val="accent1"/>
+          </a:effectRef>
+          <a:fontRef idx="minor">
+            <a:schemeClr val="lt1"/>
+          </a:fontRef>
+        </p:style>
+        <p:txBody>
+          <a:bodyPr rtlCol="0" anchor="ctr"/>
+          <a:lstStyle/>
+          <a:p>
+            <a:pPr algn="ctr"/>
+            <a:endParaRPr lang="en-US"/>
+          </a:p>
+        </p:txBody>
+      </p:sp>
+      <p:pic>
+        <p:nvPicPr>
+          <p:cNvPr id="20" name="Picture 19" descr="Icon&#10;&#10;Description automatically generated">
+            <a:extLst>
+              <a:ext uri="{FF2B5EF4-FFF2-40B4-BE49-F238E27FC236}">
+                <a16:creationId xmlns:a16="http://schemas.microsoft.com/office/drawing/2014/main" id="{7B6B0D9F-0E6F-48D3-878B-5954AE32D7D9}"/>
+              </a:ext>
+            </a:extLst>
+          </p:cNvPr>
+          <p:cNvPicPr>
+            <a:picLocks noChangeAspect="1"/>
+          </p:cNvPicPr>
+          <p:nvPr/>
+        </p:nvPicPr>
+        <p:blipFill>
+          <a:blip r:embed="rId3"/>
+          <a:stretch>
+            <a:fillRect/>
+          </a:stretch>
+        </p:blipFill>
+        <p:spPr>
+          <a:xfrm>
+            <a:off x="7817301" y="2593854"/>
+            <a:ext cx="1206758" cy="1206758"/>
+          </a:xfrm>
+          <a:prstGeom prst="rect">
+            <a:avLst/>
+          </a:prstGeom>
+        </p:spPr>
+      </p:pic>
+      <p:sp>
+        <p:nvSpPr>
+          <p:cNvPr id="21" name="Arrow: Right 20">
+            <a:extLst>
+              <a:ext uri="{FF2B5EF4-FFF2-40B4-BE49-F238E27FC236}">
+                <a16:creationId xmlns:a16="http://schemas.microsoft.com/office/drawing/2014/main" id="{0CC552EA-0298-4536-A56D-EE26A1B52BE0}"/>
+              </a:ext>
+            </a:extLst>
+          </p:cNvPr>
+          <p:cNvSpPr/>
+          <p:nvPr/>
+        </p:nvSpPr>
+        <p:spPr>
+          <a:xfrm>
+            <a:off x="9117913" y="3035179"/>
+            <a:ext cx="1280588" cy="232003"/>
+          </a:xfrm>
+          <a:prstGeom prst="rightArrow">
+            <a:avLst/>
+          </a:prstGeom>
+        </p:spPr>
+        <p:style>
+          <a:lnRef idx="2">
+            <a:schemeClr val="accent1">
+              <a:shade val="50000"/>
+            </a:schemeClr>
+          </a:lnRef>
+          <a:fillRef idx="1">
+            <a:schemeClr val="accent1"/>
+          </a:fillRef>
+          <a:effectRef idx="0">
+            <a:schemeClr val="accent1"/>
+          </a:effectRef>
+          <a:fontRef idx="minor">
+            <a:schemeClr val="lt1"/>
+          </a:fontRef>
+        </p:style>
+        <p:txBody>
+          <a:bodyPr rtlCol="0" anchor="ctr"/>
+          <a:lstStyle/>
+          <a:p>
+            <a:pPr algn="ctr"/>
+            <a:endParaRPr lang="en-US"/>
+          </a:p>
+        </p:txBody>
+      </p:sp>
+      <p:sp>
+        <p:nvSpPr>
+          <p:cNvPr id="23" name="Rectangle: Rounded Corners 22">
+            <a:extLst>
+              <a:ext uri="{FF2B5EF4-FFF2-40B4-BE49-F238E27FC236}">
+                <a16:creationId xmlns:a16="http://schemas.microsoft.com/office/drawing/2014/main" id="{C7DFEEBE-14AC-4D0F-A079-C3FADC970CD3}"/>
+              </a:ext>
+            </a:extLst>
+          </p:cNvPr>
+          <p:cNvSpPr/>
+          <p:nvPr/>
+        </p:nvSpPr>
+        <p:spPr>
+          <a:xfrm>
+            <a:off x="10482679" y="3035178"/>
+            <a:ext cx="684339" cy="232003"/>
+          </a:xfrm>
+          <a:prstGeom prst="roundRect">
+            <a:avLst/>
+          </a:prstGeom>
+          <a:solidFill>
+            <a:srgbClr val="23D10B"/>
+          </a:solidFill>
+        </p:spPr>
+        <p:style>
+          <a:lnRef idx="2">
+            <a:schemeClr val="accent1">
+              <a:shade val="50000"/>
+            </a:schemeClr>
+          </a:lnRef>
+          <a:fillRef idx="1">
+            <a:schemeClr val="accent1"/>
+          </a:fillRef>
+          <a:effectRef idx="0">
+            <a:schemeClr val="accent1"/>
+          </a:effectRef>
+          <a:fontRef idx="minor">
+            <a:schemeClr val="lt1"/>
+          </a:fontRef>
+        </p:style>
+        <p:txBody>
+          <a:bodyPr rtlCol="0" anchor="ctr"/>
+          <a:lstStyle/>
+          <a:p>
+            <a:pPr algn="ctr"/>
+            <a:r>
+              <a:rPr lang="en-US" sz="1100" dirty="0">
+                <a:solidFill>
+                  <a:schemeClr val="tx1"/>
+                </a:solidFill>
+              </a:rPr>
+              <a:t>Output</a:t>
+            </a:r>
+            <a:endParaRPr lang="en-US" dirty="0">
+              <a:solidFill>
+                <a:schemeClr val="tx1"/>
+              </a:solidFill>
+            </a:endParaRPr>
+          </a:p>
+        </p:txBody>
+      </p:sp>
+      <p:sp>
+        <p:nvSpPr>
+          <p:cNvPr id="30" name="Rectangle: Rounded Corners 29">
+            <a:extLst>
+              <a:ext uri="{FF2B5EF4-FFF2-40B4-BE49-F238E27FC236}">
+                <a16:creationId xmlns:a16="http://schemas.microsoft.com/office/drawing/2014/main" id="{1B6355B9-064D-46C8-AEEE-90FC76313504}"/>
+              </a:ext>
+            </a:extLst>
+          </p:cNvPr>
+          <p:cNvSpPr/>
+          <p:nvPr/>
+        </p:nvSpPr>
+        <p:spPr>
+          <a:xfrm>
+            <a:off x="6415210" y="3035180"/>
+            <a:ext cx="684339" cy="232003"/>
+          </a:xfrm>
+          <a:prstGeom prst="roundRect">
+            <a:avLst/>
+          </a:prstGeom>
+          <a:solidFill>
+            <a:srgbClr val="FFC000"/>
+          </a:solidFill>
+        </p:spPr>
+        <p:style>
+          <a:lnRef idx="2">
+            <a:schemeClr val="accent1">
+              <a:shade val="50000"/>
+            </a:schemeClr>
+          </a:lnRef>
+          <a:fillRef idx="1">
+            <a:schemeClr val="accent1"/>
+          </a:fillRef>
+          <a:effectRef idx="0">
+            <a:schemeClr val="accent1"/>
+          </a:effectRef>
+          <a:fontRef idx="minor">
+            <a:schemeClr val="lt1"/>
+          </a:fontRef>
+        </p:style>
+        <p:txBody>
+          <a:bodyPr rtlCol="0" anchor="ctr"/>
+          <a:lstStyle/>
+          <a:p>
+            <a:pPr algn="ctr"/>
+            <a:r>
+              <a:rPr lang="en-US" sz="1100" dirty="0">
+                <a:solidFill>
+                  <a:schemeClr val="tx1"/>
+                </a:solidFill>
+              </a:rPr>
+              <a:t>Input</a:t>
+            </a:r>
+            <a:endParaRPr lang="en-US" dirty="0">
+              <a:solidFill>
+                <a:schemeClr val="tx1"/>
+              </a:solidFill>
+            </a:endParaRPr>
+          </a:p>
+        </p:txBody>
+      </p:sp>
+      <p:sp>
+        <p:nvSpPr>
+          <p:cNvPr id="33" name="TextBox 32">
+            <a:extLst>
+              <a:ext uri="{FF2B5EF4-FFF2-40B4-BE49-F238E27FC236}">
+                <a16:creationId xmlns:a16="http://schemas.microsoft.com/office/drawing/2014/main" id="{53543E79-9329-41BA-ABA6-407A4B60FD12}"/>
+              </a:ext>
+            </a:extLst>
+          </p:cNvPr>
+          <p:cNvSpPr txBox="1"/>
+          <p:nvPr/>
+        </p:nvSpPr>
+        <p:spPr>
+          <a:xfrm>
+            <a:off x="12163359" y="3635379"/>
+            <a:ext cx="626668" cy="261610"/>
+          </a:xfrm>
+          <a:prstGeom prst="rect">
+            <a:avLst/>
+          </a:prstGeom>
+          <a:noFill/>
+        </p:spPr>
+        <p:txBody>
+          <a:bodyPr wrap="square" rtlCol="0">
+            <a:spAutoFit/>
+          </a:bodyPr>
+          <a:lstStyle/>
+          <a:p>
+            <a:r>
+              <a:rPr lang="en-US" sz="1100" dirty="0"/>
+              <a:t>0.7</a:t>
             </a:r>
           </a:p>
         </p:txBody>
@@ -19477,7 +21540,7 @@
         </p:blipFill>
         <p:spPr>
           <a:xfrm>
-            <a:off x="6002762" y="238858"/>
+            <a:off x="6486339" y="1864702"/>
             <a:ext cx="4919848" cy="3128596"/>
           </a:xfrm>
           <a:prstGeom prst="rect">
@@ -19485,77 +21548,6 @@
           </a:prstGeom>
         </p:spPr>
       </p:pic>
-      <p:pic>
-        <p:nvPicPr>
-          <p:cNvPr id="7" name="Picture 6" descr="A picture containing text, computer&#10;&#10;Description automatically generated">
-            <a:extLst>
-              <a:ext uri="{FF2B5EF4-FFF2-40B4-BE49-F238E27FC236}">
-                <a16:creationId xmlns:a16="http://schemas.microsoft.com/office/drawing/2014/main" id="{24DCC0D8-8CF5-4FE0-9058-F862C49E4CCE}"/>
-              </a:ext>
-            </a:extLst>
-          </p:cNvPr>
-          <p:cNvPicPr>
-            <a:picLocks noChangeAspect="1"/>
-          </p:cNvPicPr>
-          <p:nvPr/>
-        </p:nvPicPr>
-        <p:blipFill>
-          <a:blip r:embed="rId4"/>
-          <a:stretch>
-            <a:fillRect/>
-          </a:stretch>
-        </p:blipFill>
-        <p:spPr>
-          <a:xfrm>
-            <a:off x="6017171" y="3669515"/>
-            <a:ext cx="4919849" cy="2390588"/>
-          </a:xfrm>
-          <a:prstGeom prst="rect">
-            <a:avLst/>
-          </a:prstGeom>
-        </p:spPr>
-      </p:pic>
-      <p:sp>
-        <p:nvSpPr>
-          <p:cNvPr id="25" name="TextBox 24">
-            <a:extLst>
-              <a:ext uri="{FF2B5EF4-FFF2-40B4-BE49-F238E27FC236}">
-                <a16:creationId xmlns:a16="http://schemas.microsoft.com/office/drawing/2014/main" id="{45A1D98A-F99E-43BC-937C-353DEF40C20F}"/>
-              </a:ext>
-            </a:extLst>
-          </p:cNvPr>
-          <p:cNvSpPr txBox="1"/>
-          <p:nvPr/>
-        </p:nvSpPr>
-        <p:spPr>
-          <a:xfrm>
-            <a:off x="5624145" y="6137040"/>
-            <a:ext cx="6567854" cy="600164"/>
-          </a:xfrm>
-          <a:prstGeom prst="rect">
-            <a:avLst/>
-          </a:prstGeom>
-          <a:noFill/>
-        </p:spPr>
-        <p:txBody>
-          <a:bodyPr wrap="square" rtlCol="0">
-            <a:spAutoFit/>
-          </a:bodyPr>
-          <a:lstStyle/>
-          <a:p>
-            <a:r>
-              <a:rPr lang="en-US" sz="1100" dirty="0"/>
-              <a:t>The Imitation Game.</a:t>
-            </a:r>
-          </a:p>
-          <a:p>
-            <a:r>
-              <a:rPr lang="en-US" sz="1100" dirty="0"/>
-              <a:t>To decode German messages in WWII, each parameter (rotor) above must be tuned and set to the right value.</a:t>
-            </a:r>
-          </a:p>
-        </p:txBody>
-      </p:sp>
       <p:graphicFrame>
         <p:nvGraphicFramePr>
           <p:cNvPr id="27" name="Text Placeholder 2">
@@ -19580,7 +21572,7 @@
         </p:xfrm>
         <a:graphic>
           <a:graphicData uri="http://schemas.openxmlformats.org/drawingml/2006/diagram">
-            <dgm:relIds xmlns:dgm="http://schemas.openxmlformats.org/drawingml/2006/diagram" xmlns:r="http://schemas.openxmlformats.org/officeDocument/2006/relationships" r:dm="rId5" r:lo="rId6" r:qs="rId7" r:cs="rId8"/>
+            <dgm:relIds xmlns:dgm="http://schemas.openxmlformats.org/drawingml/2006/diagram" xmlns:r="http://schemas.openxmlformats.org/officeDocument/2006/relationships" r:dm="rId4" r:lo="rId5" r:qs="rId6" r:cs="rId7"/>
           </a:graphicData>
         </a:graphic>
       </p:graphicFrame>

--- a/deck.pptx
+++ b/deck.pptx
@@ -14741,7 +14741,7 @@
         <p:spPr>
           <a:xfrm>
             <a:off x="4447308" y="4808900"/>
-            <a:ext cx="6242539" cy="923330"/>
+            <a:ext cx="6242539" cy="646331"/>
           </a:xfrm>
           <a:prstGeom prst="rect">
             <a:avLst/>
@@ -14764,7 +14764,7 @@
             </a:r>
             <a:r>
               <a:rPr lang="en-US" dirty="0"/>
-              <a:t> mean it is the best for your use case. For example, don’t use a Neural Network where a simple Regression will do.</a:t>
+              <a:t> mean it is the best for your use case.</a:t>
             </a:r>
           </a:p>
         </p:txBody>
